--- a/VQ/FinalPresentationSlides.pptx
+++ b/VQ/FinalPresentationSlides.pptx
@@ -10,8 +10,7 @@
     <p:sldId id="258" r:id="rId4"/>
     <p:sldId id="262" r:id="rId5"/>
     <p:sldId id="259" r:id="rId6"/>
-    <p:sldId id="264" r:id="rId7"/>
-    <p:sldId id="263" r:id="rId8"/>
+    <p:sldId id="263" r:id="rId7"/>
   </p:sldIdLst>
   <p:sldSz cx="9144000" cy="6858000" type="screen4x3"/>
   <p:notesSz cx="6858000" cy="9144000"/>
@@ -308,7 +307,7 @@
             <a:fld id="{28E80666-FB37-4B36-9149-507F3B0178E3}" type="datetimeFigureOut">
               <a:rPr lang="en-US" smtClean="0"/>
               <a:pPr/>
-              <a:t>12/10/14</a:t>
+              <a:t>12/11/14</a:t>
             </a:fld>
             <a:endParaRPr lang="en-US"/>
           </a:p>
@@ -473,7 +472,7 @@
           <a:p>
             <a:fld id="{B01F9CA3-105E-4857-9057-6DB6197DA786}" type="datetimeFigureOut">
               <a:rPr lang="en-US" smtClean="0"/>
-              <a:t>12/10/14</a:t>
+              <a:t>12/11/14</a:t>
             </a:fld>
             <a:endParaRPr lang="en-US"/>
           </a:p>
@@ -648,7 +647,7 @@
           <a:p>
             <a:fld id="{B01F9CA3-105E-4857-9057-6DB6197DA786}" type="datetimeFigureOut">
               <a:rPr lang="en-US" smtClean="0"/>
-              <a:t>12/10/14</a:t>
+              <a:t>12/11/14</a:t>
             </a:fld>
             <a:endParaRPr lang="en-US"/>
           </a:p>
@@ -813,7 +812,7 @@
           <a:p>
             <a:fld id="{B01F9CA3-105E-4857-9057-6DB6197DA786}" type="datetimeFigureOut">
               <a:rPr lang="en-US" smtClean="0"/>
-              <a:t>12/10/14</a:t>
+              <a:t>12/11/14</a:t>
             </a:fld>
             <a:endParaRPr lang="en-US"/>
           </a:p>
@@ -1055,7 +1054,7 @@
             <a:fld id="{28E80666-FB37-4B36-9149-507F3B0178E3}" type="datetimeFigureOut">
               <a:rPr lang="en-US" smtClean="0"/>
               <a:pPr/>
-              <a:t>12/10/14</a:t>
+              <a:t>12/11/14</a:t>
             </a:fld>
             <a:endParaRPr lang="en-US"/>
           </a:p>
@@ -1339,7 +1338,7 @@
           <a:p>
             <a:fld id="{B01F9CA3-105E-4857-9057-6DB6197DA786}" type="datetimeFigureOut">
               <a:rPr lang="en-US" smtClean="0"/>
-              <a:t>12/10/14</a:t>
+              <a:t>12/11/14</a:t>
             </a:fld>
             <a:endParaRPr lang="en-US"/>
           </a:p>
@@ -1768,7 +1767,7 @@
           <a:p>
             <a:fld id="{B01F9CA3-105E-4857-9057-6DB6197DA786}" type="datetimeFigureOut">
               <a:rPr lang="en-US" smtClean="0"/>
-              <a:t>12/10/14</a:t>
+              <a:t>12/11/14</a:t>
             </a:fld>
             <a:endParaRPr lang="en-US"/>
           </a:p>
@@ -1881,7 +1880,7 @@
           <a:p>
             <a:fld id="{B01F9CA3-105E-4857-9057-6DB6197DA786}" type="datetimeFigureOut">
               <a:rPr lang="en-US" smtClean="0"/>
-              <a:t>12/10/14</a:t>
+              <a:t>12/11/14</a:t>
             </a:fld>
             <a:endParaRPr lang="en-US"/>
           </a:p>
@@ -1971,7 +1970,7 @@
           <a:p>
             <a:fld id="{B01F9CA3-105E-4857-9057-6DB6197DA786}" type="datetimeFigureOut">
               <a:rPr lang="en-US" smtClean="0"/>
-              <a:t>12/10/14</a:t>
+              <a:t>12/11/14</a:t>
             </a:fld>
             <a:endParaRPr lang="en-US"/>
           </a:p>
@@ -2160,7 +2159,7 @@
           <a:p>
             <a:fld id="{B01F9CA3-105E-4857-9057-6DB6197DA786}" type="datetimeFigureOut">
               <a:rPr lang="en-US" smtClean="0"/>
-              <a:t>12/10/14</a:t>
+              <a:t>12/11/14</a:t>
             </a:fld>
             <a:endParaRPr lang="en-US"/>
           </a:p>
@@ -2478,7 +2477,7 @@
           <a:p>
             <a:fld id="{B01F9CA3-105E-4857-9057-6DB6197DA786}" type="datetimeFigureOut">
               <a:rPr lang="en-US" smtClean="0"/>
-              <a:t>12/10/14</a:t>
+              <a:t>12/11/14</a:t>
             </a:fld>
             <a:endParaRPr lang="en-US"/>
           </a:p>
@@ -2857,7 +2856,7 @@
           <a:p>
             <a:fld id="{B01F9CA3-105E-4857-9057-6DB6197DA786}" type="datetimeFigureOut">
               <a:rPr lang="en-US" smtClean="0"/>
-              <a:t>12/10/14</a:t>
+              <a:t>12/11/14</a:t>
             </a:fld>
             <a:endParaRPr lang="en-US"/>
           </a:p>
@@ -3192,7 +3191,7 @@
         </p:nvSpPr>
         <p:spPr>
           <a:xfrm>
-            <a:off x="1765300" y="584200"/>
+            <a:off x="1221034" y="584200"/>
             <a:ext cx="6502400" cy="2997199"/>
           </a:xfrm>
         </p:spPr>
@@ -3277,14 +3276,6 @@
                 </a:solidFill>
               </a:rPr>
               <a:t>Kely Cid</a:t>
-            </a:r>
-            <a:r>
-              <a:rPr lang="en-US" sz="2800" dirty="0" smtClean="0">
-                <a:solidFill>
-                  <a:srgbClr val="000000"/>
-                </a:solidFill>
-              </a:rPr>
-              <a:t/>
             </a:r>
             <a:br>
               <a:rPr lang="en-US" sz="2800" dirty="0" smtClean="0">
@@ -3344,7 +3335,7 @@
         </p:nvSpPr>
         <p:spPr>
           <a:xfrm>
-            <a:off x="1765300" y="4305300"/>
+            <a:off x="1221034" y="4305300"/>
             <a:ext cx="6400800" cy="1676400"/>
           </a:xfrm>
         </p:spPr>
@@ -3410,15 +3401,7 @@
                   <a:schemeClr val="tx1"/>
                 </a:solidFill>
               </a:rPr>
-              <a:t>December 12th, </a:t>
-            </a:r>
-            <a:r>
-              <a:rPr lang="en-US" sz="2200" dirty="0" smtClean="0">
-                <a:solidFill>
-                  <a:schemeClr val="tx1"/>
-                </a:solidFill>
-              </a:rPr>
-              <a:t>2014</a:t>
+              <a:t>December 12th, 2014</a:t>
             </a:r>
             <a:endParaRPr lang="en-US" sz="2200" dirty="0">
               <a:solidFill>
@@ -3441,11 +3424,11 @@
   <p:clrMapOvr>
     <a:masterClrMapping/>
   </p:clrMapOvr>
-  <mc:AlternateContent xmlns:mc="http://schemas.openxmlformats.org/markup-compatibility/2006">
-    <mc:Choice xmlns:p14="http://schemas.microsoft.com/office/powerpoint/2010/main" Requires="p14">
+  <mc:AlternateContent xmlns:mc="http://schemas.openxmlformats.org/markup-compatibility/2006" xmlns:p14="http://schemas.microsoft.com/office/powerpoint/2010/main">
+    <mc:Choice Requires="p14">
       <p:transition spd="slow" p14:dur="2000"/>
     </mc:Choice>
-    <mc:Fallback>
+    <mc:Fallback xmlns="">
       <p:transition xmlns:p14="http://schemas.microsoft.com/office/powerpoint/2010/main" spd="slow"/>
     </mc:Fallback>
   </mc:AlternateContent>
@@ -3547,7 +3530,7 @@
         </p:spPr>
         <p:txBody>
           <a:bodyPr vert="horz" lIns="91440" tIns="45720" rIns="91440" bIns="45720" rtlCol="0">
-            <a:normAutofit fontScale="85000" lnSpcReduction="10000"/>
+            <a:normAutofit fontScale="92500" lnSpcReduction="10000"/>
           </a:bodyPr>
           <a:lstStyle>
             <a:lvl1pPr marL="0" indent="0" algn="ctr" defTabSz="457200" rtl="0" eaLnBrk="1" latinLnBrk="0" hangingPunct="1">
@@ -3770,6 +3753,14 @@
             </a:r>
           </a:p>
           <a:p>
+            <a:pPr algn="l"/>
+            <a:endParaRPr lang="en-US" sz="1100" dirty="0" smtClean="0">
+              <a:solidFill>
+                <a:srgbClr val="000000"/>
+              </a:solidFill>
+            </a:endParaRPr>
+          </a:p>
+          <a:p>
             <a:pPr marL="342900" indent="-342900" algn="l">
               <a:buFont typeface="Arial"/>
               <a:buChar char="•"/>
@@ -3798,56 +3789,13 @@
           </a:p>
           <a:p>
             <a:pPr algn="l"/>
-            <a:endParaRPr lang="en-US" sz="2400" dirty="0" smtClean="0">
+            <a:endParaRPr lang="en-US" sz="1100" dirty="0" smtClean="0">
               <a:solidFill>
                 <a:srgbClr val="000000"/>
               </a:solidFill>
             </a:endParaRPr>
           </a:p>
           <a:p>
-            <a:pPr algn="l"/>
-            <a:r>
-              <a:rPr lang="en-US" sz="2400" u="sng" dirty="0" smtClean="0">
-                <a:solidFill>
-                  <a:srgbClr val="000000"/>
-                </a:solidFill>
-              </a:rPr>
-              <a:t>Business side: Imagine </a:t>
-            </a:r>
-            <a:r>
-              <a:rPr lang="en-US" sz="2400" u="sng" dirty="0">
-                <a:solidFill>
-                  <a:srgbClr val="000000"/>
-                </a:solidFill>
-              </a:rPr>
-              <a:t>the impact of advertising </a:t>
-            </a:r>
-            <a:r>
-              <a:rPr lang="en-US" sz="2400" u="sng" dirty="0" smtClean="0">
-                <a:solidFill>
-                  <a:srgbClr val="000000"/>
-                </a:solidFill>
-              </a:rPr>
-              <a:t>“No </a:t>
-            </a:r>
-            <a:r>
-              <a:rPr lang="en-US" sz="2400" u="sng" dirty="0">
-                <a:solidFill>
-                  <a:srgbClr val="000000"/>
-                </a:solidFill>
-              </a:rPr>
-              <a:t>More Lines</a:t>
-            </a:r>
-            <a:r>
-              <a:rPr lang="en-US" sz="2400" u="sng" dirty="0" smtClean="0">
-                <a:solidFill>
-                  <a:srgbClr val="000000"/>
-                </a:solidFill>
-              </a:rPr>
-              <a:t>”. </a:t>
-            </a:r>
-          </a:p>
-          <a:p>
             <a:pPr marL="342900" indent="-342900" algn="l">
               <a:buFont typeface="Arial"/>
               <a:buChar char="•"/>
@@ -3858,37 +3806,7 @@
                   <a:srgbClr val="000000"/>
                 </a:solidFill>
               </a:rPr>
-              <a:t>Users </a:t>
-            </a:r>
-            <a:r>
-              <a:rPr lang="en-US" sz="2400" dirty="0">
-                <a:solidFill>
-                  <a:srgbClr val="000000"/>
-                </a:solidFill>
-              </a:rPr>
-              <a:t>will have a more satisfying experience, and that venue will definitely have an advantage over competitors.</a:t>
-            </a:r>
-          </a:p>
-          <a:p>
-            <a:pPr marL="342900" indent="-342900" algn="l">
-              <a:buFont typeface="Arial"/>
-              <a:buChar char="•"/>
-            </a:pPr>
-            <a:r>
-              <a:rPr lang="en-US" sz="2400" dirty="0">
-                <a:solidFill>
-                  <a:srgbClr val="000000"/>
-                </a:solidFill>
-              </a:rPr>
-              <a:t>V</a:t>
-            </a:r>
-            <a:r>
-              <a:rPr lang="en-US" sz="2400" dirty="0" smtClean="0">
-                <a:solidFill>
-                  <a:srgbClr val="000000"/>
-                </a:solidFill>
-              </a:rPr>
-              <a:t>enue loses </a:t>
+              <a:t>Venue loses </a:t>
             </a:r>
             <a:r>
               <a:rPr lang="en-US" sz="2400" dirty="0">
@@ -3970,11 +3888,11 @@
   <p:clrMapOvr>
     <a:masterClrMapping/>
   </p:clrMapOvr>
-  <mc:AlternateContent xmlns:mc="http://schemas.openxmlformats.org/markup-compatibility/2006">
-    <mc:Choice xmlns:p14="http://schemas.microsoft.com/office/powerpoint/2010/main" Requires="p14">
+  <mc:AlternateContent xmlns:mc="http://schemas.openxmlformats.org/markup-compatibility/2006" xmlns:p14="http://schemas.microsoft.com/office/powerpoint/2010/main">
+    <mc:Choice Requires="p14">
       <p:transition spd="slow" p14:dur="2000"/>
     </mc:Choice>
-    <mc:Fallback>
+    <mc:Fallback xmlns="">
       <p:transition xmlns:p14="http://schemas.microsoft.com/office/powerpoint/2010/main" spd="slow"/>
     </mc:Fallback>
   </mc:AlternateContent>
@@ -4653,11 +4571,6 @@
               </a:rPr>
               <a:t>account (Admin).</a:t>
             </a:r>
-            <a:endParaRPr lang="en-US" sz="1600" dirty="0">
-              <a:solidFill>
-                <a:srgbClr val="000000"/>
-              </a:solidFill>
-            </a:endParaRPr>
           </a:p>
           <a:p>
             <a:pPr algn="l">
@@ -4783,11 +4696,11 @@
   <p:clrMapOvr>
     <a:masterClrMapping/>
   </p:clrMapOvr>
-  <mc:AlternateContent xmlns:mc="http://schemas.openxmlformats.org/markup-compatibility/2006">
-    <mc:Choice xmlns:p14="http://schemas.microsoft.com/office/powerpoint/2010/main" Requires="p14">
+  <mc:AlternateContent xmlns:mc="http://schemas.openxmlformats.org/markup-compatibility/2006" xmlns:p14="http://schemas.microsoft.com/office/powerpoint/2010/main">
+    <mc:Choice Requires="p14">
       <p:transition spd="slow" p14:dur="2000"/>
     </mc:Choice>
-    <mc:Fallback>
+    <mc:Fallback xmlns="">
       <p:transition xmlns:p14="http://schemas.microsoft.com/office/powerpoint/2010/main" spd="slow"/>
     </mc:Fallback>
   </mc:AlternateContent>
@@ -4828,7 +4741,7 @@
         </p:nvSpPr>
         <p:spPr>
           <a:xfrm>
-            <a:off x="797069" y="234950"/>
+            <a:off x="537481" y="685800"/>
             <a:ext cx="7238492" cy="647700"/>
           </a:xfrm>
           <a:prstGeom prst="rect">
@@ -4880,8 +4793,8 @@
         </p:nvSpPr>
         <p:spPr>
           <a:xfrm>
-            <a:off x="537481" y="882650"/>
-            <a:ext cx="7498080" cy="1174750"/>
+            <a:off x="698499" y="1942504"/>
+            <a:ext cx="7337061" cy="2606676"/>
           </a:xfrm>
           <a:prstGeom prst="rect">
             <a:avLst/>
@@ -4889,7 +4802,7 @@
         </p:spPr>
         <p:txBody>
           <a:bodyPr vert="horz" lIns="91440" tIns="45720" rIns="91440" bIns="45720" rtlCol="0">
-            <a:normAutofit/>
+            <a:normAutofit lnSpcReduction="10000"/>
           </a:bodyPr>
           <a:lstStyle>
             <a:lvl1pPr marL="0" indent="0" algn="ctr" defTabSz="457200" rtl="0" eaLnBrk="1" latinLnBrk="0" hangingPunct="1">
@@ -5051,70 +4964,109 @@
               <a:defRPr/>
             </a:pPr>
             <a:r>
-              <a:rPr lang="en-US" sz="1900" dirty="0">
-                <a:solidFill>
-                  <a:srgbClr val="000000"/>
-                </a:solidFill>
-              </a:rPr>
-              <a:t>For the Virtual Queue system a three tier and a multilayer architecture were used. These will allow for horizontal scalability, which will let to multiple server instances to easily handle high traffic on the site. </a:t>
-            </a:r>
-          </a:p>
-        </p:txBody>
-      </p:sp>
-      <p:pic>
-        <p:nvPicPr>
-          <p:cNvPr id="5" name="Picture 5" descr="Design Update New.png"/>
-          <p:cNvPicPr>
-            <a:picLocks noChangeAspect="1"/>
-          </p:cNvPicPr>
-          <p:nvPr/>
-        </p:nvPicPr>
-        <p:blipFill>
-          <a:blip r:embed="rId2">
-            <a:extLst>
-              <a:ext uri="{28A0092B-C50C-407E-A947-70E740481C1C}">
-                <a14:useLocalDpi xmlns:a14="http://schemas.microsoft.com/office/drawing/2010/main" val="0"/>
-              </a:ext>
-            </a:extLst>
-          </a:blip>
-          <a:srcRect/>
-          <a:stretch>
-            <a:fillRect/>
-          </a:stretch>
-        </p:blipFill>
-        <p:spPr bwMode="auto">
-          <a:xfrm>
-            <a:off x="2451100" y="1854200"/>
-            <a:ext cx="3970020" cy="5003800"/>
-          </a:xfrm>
-          <a:prstGeom prst="rect">
-            <a:avLst/>
-          </a:prstGeom>
-          <a:noFill/>
-          <a:ln>
-            <a:noFill/>
-          </a:ln>
-          <a:extLst>
-            <a:ext uri="{909E8E84-426E-40dd-AFC4-6F175D3DCCD1}">
-              <a14:hiddenFill xmlns:a14="http://schemas.microsoft.com/office/drawing/2010/main">
-                <a:solidFill>
-                  <a:srgbClr val="FFFFFF"/>
-                </a:solidFill>
-              </a14:hiddenFill>
-            </a:ext>
-            <a:ext uri="{91240B29-F687-4f45-9708-019B960494DF}">
-              <a14:hiddenLine xmlns:a14="http://schemas.microsoft.com/office/drawing/2010/main" w="9525">
-                <a:solidFill>
-                  <a:srgbClr val="000000"/>
-                </a:solidFill>
-                <a:miter lim="800000"/>
-                <a:headEnd/>
-                <a:tailEnd/>
-              </a14:hiddenLine>
-            </a:ext>
-          </a:extLst>
-        </p:spPr>
-      </p:pic>
+              <a:rPr lang="en-US" sz="2000" dirty="0" smtClean="0">
+                <a:solidFill>
+                  <a:srgbClr val="000000"/>
+                </a:solidFill>
+              </a:rPr>
+              <a:t>For the </a:t>
+            </a:r>
+            <a:r>
+              <a:rPr lang="en-US" sz="2000" dirty="0">
+                <a:solidFill>
+                  <a:srgbClr val="000000"/>
+                </a:solidFill>
+              </a:rPr>
+              <a:t>Virtual Queue system a three tier and a multilayer architecture were used. </a:t>
+            </a:r>
+            <a:endParaRPr lang="en-US" sz="2000" dirty="0" smtClean="0">
+              <a:solidFill>
+                <a:srgbClr val="000000"/>
+              </a:solidFill>
+            </a:endParaRPr>
+          </a:p>
+          <a:p>
+            <a:pPr algn="just">
+              <a:defRPr/>
+            </a:pPr>
+            <a:endParaRPr lang="en-US" sz="2000" dirty="0" smtClean="0">
+              <a:solidFill>
+                <a:srgbClr val="000000"/>
+              </a:solidFill>
+            </a:endParaRPr>
+          </a:p>
+          <a:p>
+            <a:pPr algn="just">
+              <a:defRPr/>
+            </a:pPr>
+            <a:r>
+              <a:rPr lang="en-US" sz="2000" dirty="0" smtClean="0">
+                <a:solidFill>
+                  <a:srgbClr val="000000"/>
+                </a:solidFill>
+              </a:rPr>
+              <a:t>These </a:t>
+            </a:r>
+            <a:r>
+              <a:rPr lang="en-US" sz="2000" dirty="0">
+                <a:solidFill>
+                  <a:srgbClr val="000000"/>
+                </a:solidFill>
+              </a:rPr>
+              <a:t>will allow for horizontal scalability, which will let to multiple server instances to easily handle high traffic on the site. </a:t>
+            </a:r>
+            <a:endParaRPr lang="en-US" sz="2000" dirty="0" smtClean="0">
+              <a:solidFill>
+                <a:srgbClr val="000000"/>
+              </a:solidFill>
+            </a:endParaRPr>
+          </a:p>
+          <a:p>
+            <a:pPr algn="just">
+              <a:defRPr/>
+            </a:pPr>
+            <a:endParaRPr lang="en-US" sz="1900" dirty="0" smtClean="0">
+              <a:solidFill>
+                <a:srgbClr val="000000"/>
+              </a:solidFill>
+            </a:endParaRPr>
+          </a:p>
+          <a:p>
+            <a:pPr algn="just">
+              <a:defRPr/>
+            </a:pPr>
+            <a:r>
+              <a:rPr lang="en-US" sz="2000" dirty="0" smtClean="0">
+                <a:solidFill>
+                  <a:srgbClr val="000000"/>
+                </a:solidFill>
+              </a:rPr>
+              <a:t>Allows </a:t>
+            </a:r>
+            <a:r>
+              <a:rPr lang="en-US" sz="2000" dirty="0">
+                <a:solidFill>
+                  <a:srgbClr val="000000"/>
+                </a:solidFill>
+              </a:rPr>
+              <a:t>decoupling each layer using interfaces contracts only to communicate between </a:t>
+            </a:r>
+            <a:r>
+              <a:rPr lang="en-US" sz="2000" dirty="0" smtClean="0">
+                <a:solidFill>
+                  <a:srgbClr val="000000"/>
+                </a:solidFill>
+              </a:rPr>
+              <a:t>them.</a:t>
+            </a:r>
+            <a:endParaRPr lang="en-US" sz="1900" dirty="0">
+              <a:solidFill>
+                <a:srgbClr val="000000"/>
+              </a:solidFill>
+            </a:endParaRPr>
+          </a:p>
+        </p:txBody>
+      </p:sp>
     </p:spTree>
     <p:extLst>
       <p:ext uri="{BB962C8B-B14F-4D97-AF65-F5344CB8AC3E}">
@@ -5125,11 +5077,11 @@
   <p:clrMapOvr>
     <a:masterClrMapping/>
   </p:clrMapOvr>
-  <mc:AlternateContent xmlns:mc="http://schemas.openxmlformats.org/markup-compatibility/2006">
-    <mc:Choice xmlns:p14="http://schemas.microsoft.com/office/powerpoint/2010/main" Requires="p14">
+  <mc:AlternateContent xmlns:mc="http://schemas.openxmlformats.org/markup-compatibility/2006" xmlns:p14="http://schemas.microsoft.com/office/powerpoint/2010/main">
+    <mc:Choice Requires="p14">
       <p:transition spd="slow" p14:dur="2000"/>
     </mc:Choice>
-    <mc:Fallback>
+    <mc:Fallback xmlns="">
       <p:transition xmlns:p14="http://schemas.microsoft.com/office/powerpoint/2010/main" spd="slow"/>
     </mc:Fallback>
   </mc:AlternateContent>
@@ -5221,7 +5173,7 @@
         <p:spPr>
           <a:xfrm>
             <a:off x="914908" y="1633538"/>
-            <a:ext cx="6628892" cy="4493537"/>
+            <a:ext cx="6628892" cy="3816429"/>
           </a:xfrm>
           <a:prstGeom prst="rect">
             <a:avLst/>
@@ -5339,15 +5291,6 @@
               <a:defRPr/>
             </a:pPr>
             <a:endParaRPr lang="en-US" sz="2200" dirty="0"/>
-          </a:p>
-          <a:p>
-            <a:pPr>
-              <a:defRPr/>
-            </a:pPr>
-            <a:r>
-              <a:rPr lang="en-US" sz="2200" dirty="0"/>
-              <a:t>The combination of all these frameworks provided a robust and scalable system.</a:t>
-            </a:r>
           </a:p>
         </p:txBody>
       </p:sp>
@@ -5623,11 +5566,11 @@
   <p:clrMapOvr>
     <a:masterClrMapping/>
   </p:clrMapOvr>
-  <mc:AlternateContent xmlns:mc="http://schemas.openxmlformats.org/markup-compatibility/2006">
-    <mc:Choice xmlns:p14="http://schemas.microsoft.com/office/powerpoint/2010/main" Requires="p14">
+  <mc:AlternateContent xmlns:mc="http://schemas.openxmlformats.org/markup-compatibility/2006" xmlns:p14="http://schemas.microsoft.com/office/powerpoint/2010/main">
+    <mc:Choice Requires="p14">
       <p:transition spd="slow" p14:dur="2000"/>
     </mc:Choice>
-    <mc:Fallback>
+    <mc:Fallback xmlns="">
       <p:transition xmlns:p14="http://schemas.microsoft.com/office/powerpoint/2010/main" spd="slow"/>
     </mc:Fallback>
   </mc:AlternateContent>
@@ -5668,452 +5611,6 @@
         </p:nvSpPr>
         <p:spPr>
           <a:xfrm>
-            <a:off x="914908" y="295276"/>
-            <a:ext cx="7238492" cy="911224"/>
-          </a:xfrm>
-          <a:prstGeom prst="rect">
-            <a:avLst/>
-          </a:prstGeom>
-        </p:spPr>
-        <p:txBody>
-          <a:bodyPr vert="horz" lIns="91440" tIns="45720" rIns="91440" bIns="45720" rtlCol="0" anchor="ctr">
-            <a:normAutofit/>
-          </a:bodyPr>
-          <a:lstStyle>
-            <a:lvl1pPr algn="ctr" defTabSz="457200" rtl="0" eaLnBrk="1" latinLnBrk="0" hangingPunct="1">
-              <a:spcBef>
-                <a:spcPct val="0"/>
-              </a:spcBef>
-              <a:buNone/>
-              <a:defRPr sz="4400" kern="1200">
-                <a:solidFill>
-                  <a:schemeClr val="tx1"/>
-                </a:solidFill>
-                <a:latin typeface="+mj-lt"/>
-                <a:ea typeface="+mj-ea"/>
-                <a:cs typeface="+mj-cs"/>
-              </a:defRPr>
-            </a:lvl1pPr>
-          </a:lstStyle>
-          <a:p>
-            <a:r>
-              <a:rPr lang="en-US" b="1" dirty="0" smtClean="0">
-                <a:latin typeface="Times New Roman" panose="02020603050405020304" pitchFamily="18" charset="0"/>
-                <a:cs typeface="Times New Roman" panose="02020603050405020304" pitchFamily="18" charset="0"/>
-              </a:rPr>
-              <a:t>Package Diagram</a:t>
-            </a:r>
-            <a:endParaRPr lang="en-US" b="1" dirty="0">
-              <a:latin typeface="Times New Roman" panose="02020603050405020304" pitchFamily="18" charset="0"/>
-              <a:cs typeface="Times New Roman" panose="02020603050405020304" pitchFamily="18" charset="0"/>
-            </a:endParaRPr>
-          </a:p>
-        </p:txBody>
-      </p:sp>
-      <p:sp>
-        <p:nvSpPr>
-          <p:cNvPr id="4" name="TextBox 3"/>
-          <p:cNvSpPr txBox="1"/>
-          <p:nvPr/>
-        </p:nvSpPr>
-        <p:spPr>
-          <a:xfrm>
-            <a:off x="471357" y="1095410"/>
-            <a:ext cx="7682043" cy="1446550"/>
-          </a:xfrm>
-          <a:prstGeom prst="rect">
-            <a:avLst/>
-          </a:prstGeom>
-          <a:noFill/>
-        </p:spPr>
-        <p:txBody>
-          <a:bodyPr wrap="square" rtlCol="0">
-            <a:spAutoFit/>
-          </a:bodyPr>
-          <a:lstStyle/>
-          <a:p>
-            <a:pPr>
-              <a:defRPr/>
-            </a:pPr>
-            <a:r>
-              <a:rPr lang="en-US" sz="2200" dirty="0"/>
-              <a:t>The Virtual Queue system is divided into subsystems. Each one follows a multilayer architecture that allows decoupling each layer using interfaces contracts only to communicate between them and share the business domain. </a:t>
-            </a:r>
-            <a:endParaRPr lang="en-US" sz="2200" dirty="0"/>
-          </a:p>
-        </p:txBody>
-      </p:sp>
-      <p:sp>
-        <p:nvSpPr>
-          <p:cNvPr id="5" name="TextBox 9"/>
-          <p:cNvSpPr txBox="1">
-            <a:spLocks noChangeArrowheads="1"/>
-          </p:cNvSpPr>
-          <p:nvPr/>
-        </p:nvSpPr>
-        <p:spPr bwMode="auto">
-          <a:xfrm>
-            <a:off x="1524000" y="34823400"/>
-            <a:ext cx="7924800" cy="6448425"/>
-          </a:xfrm>
-          <a:prstGeom prst="rect">
-            <a:avLst/>
-          </a:prstGeom>
-          <a:ln/>
-        </p:spPr>
-        <p:style>
-          <a:lnRef idx="2">
-            <a:schemeClr val="accent5"/>
-          </a:lnRef>
-          <a:fillRef idx="1">
-            <a:schemeClr val="lt1"/>
-          </a:fillRef>
-          <a:effectRef idx="0">
-            <a:schemeClr val="accent5"/>
-          </a:effectRef>
-          <a:fontRef idx="minor">
-            <a:schemeClr val="dk1"/>
-          </a:fontRef>
-        </p:style>
-        <p:txBody>
-          <a:bodyPr lIns="91411" tIns="45701" rIns="91411" bIns="45701">
-            <a:spAutoFit/>
-          </a:bodyPr>
-          <a:lstStyle>
-            <a:lvl1pPr>
-              <a:defRPr sz="8200">
-                <a:solidFill>
-                  <a:schemeClr val="tx1"/>
-                </a:solidFill>
-                <a:latin typeface="Arial" charset="0"/>
-                <a:ea typeface="ＭＳ Ｐゴシック" charset="0"/>
-                <a:cs typeface="ＭＳ Ｐゴシック" charset="0"/>
-              </a:defRPr>
-            </a:lvl1pPr>
-            <a:lvl2pPr marL="742950" indent="-285750">
-              <a:defRPr sz="8200">
-                <a:solidFill>
-                  <a:schemeClr val="tx1"/>
-                </a:solidFill>
-                <a:latin typeface="Arial" charset="0"/>
-                <a:ea typeface="ＭＳ Ｐゴシック" charset="0"/>
-              </a:defRPr>
-            </a:lvl2pPr>
-            <a:lvl3pPr marL="1143000" indent="-228600">
-              <a:defRPr sz="8200">
-                <a:solidFill>
-                  <a:schemeClr val="tx1"/>
-                </a:solidFill>
-                <a:latin typeface="Arial" charset="0"/>
-                <a:ea typeface="ＭＳ Ｐゴシック" charset="0"/>
-              </a:defRPr>
-            </a:lvl3pPr>
-            <a:lvl4pPr marL="1600200" indent="-228600">
-              <a:defRPr sz="8200">
-                <a:solidFill>
-                  <a:schemeClr val="tx1"/>
-                </a:solidFill>
-                <a:latin typeface="Arial" charset="0"/>
-                <a:ea typeface="ＭＳ Ｐゴシック" charset="0"/>
-              </a:defRPr>
-            </a:lvl4pPr>
-            <a:lvl5pPr marL="2057400" indent="-228600">
-              <a:defRPr sz="8200">
-                <a:solidFill>
-                  <a:schemeClr val="tx1"/>
-                </a:solidFill>
-                <a:latin typeface="Arial" charset="0"/>
-                <a:ea typeface="ＭＳ Ｐゴシック" charset="0"/>
-              </a:defRPr>
-            </a:lvl5pPr>
-            <a:lvl6pPr marL="2514600" indent="-228600" eaLnBrk="0" fontAlgn="base" hangingPunct="0">
-              <a:spcBef>
-                <a:spcPct val="0"/>
-              </a:spcBef>
-              <a:spcAft>
-                <a:spcPct val="0"/>
-              </a:spcAft>
-              <a:defRPr sz="8200">
-                <a:solidFill>
-                  <a:schemeClr val="tx1"/>
-                </a:solidFill>
-                <a:latin typeface="Arial" charset="0"/>
-                <a:ea typeface="ＭＳ Ｐゴシック" charset="0"/>
-              </a:defRPr>
-            </a:lvl6pPr>
-            <a:lvl7pPr marL="2971800" indent="-228600" eaLnBrk="0" fontAlgn="base" hangingPunct="0">
-              <a:spcBef>
-                <a:spcPct val="0"/>
-              </a:spcBef>
-              <a:spcAft>
-                <a:spcPct val="0"/>
-              </a:spcAft>
-              <a:defRPr sz="8200">
-                <a:solidFill>
-                  <a:schemeClr val="tx1"/>
-                </a:solidFill>
-                <a:latin typeface="Arial" charset="0"/>
-                <a:ea typeface="ＭＳ Ｐゴシック" charset="0"/>
-              </a:defRPr>
-            </a:lvl7pPr>
-            <a:lvl8pPr marL="3429000" indent="-228600" eaLnBrk="0" fontAlgn="base" hangingPunct="0">
-              <a:spcBef>
-                <a:spcPct val="0"/>
-              </a:spcBef>
-              <a:spcAft>
-                <a:spcPct val="0"/>
-              </a:spcAft>
-              <a:defRPr sz="8200">
-                <a:solidFill>
-                  <a:schemeClr val="tx1"/>
-                </a:solidFill>
-                <a:latin typeface="Arial" charset="0"/>
-                <a:ea typeface="ＭＳ Ｐゴシック" charset="0"/>
-              </a:defRPr>
-            </a:lvl8pPr>
-            <a:lvl9pPr marL="3886200" indent="-228600" eaLnBrk="0" fontAlgn="base" hangingPunct="0">
-              <a:spcBef>
-                <a:spcPct val="0"/>
-              </a:spcBef>
-              <a:spcAft>
-                <a:spcPct val="0"/>
-              </a:spcAft>
-              <a:defRPr sz="8200">
-                <a:solidFill>
-                  <a:schemeClr val="tx1"/>
-                </a:solidFill>
-                <a:latin typeface="Arial" charset="0"/>
-                <a:ea typeface="ＭＳ Ｐゴシック" charset="0"/>
-              </a:defRPr>
-            </a:lvl9pPr>
-          </a:lstStyle>
-          <a:p>
-            <a:pPr eaLnBrk="1" hangingPunct="1">
-              <a:defRPr/>
-            </a:pPr>
-            <a:r>
-              <a:rPr lang="en-US" sz="2900" dirty="0" smtClean="0"/>
-              <a:t>For the VQ implementation </a:t>
-            </a:r>
-            <a:r>
-              <a:rPr lang="en-US" sz="2900" b="1" dirty="0" smtClean="0">
-                <a:solidFill>
-                  <a:srgbClr val="000000"/>
-                </a:solidFill>
-                <a:cs typeface="Arial" charset="0"/>
-              </a:rPr>
-              <a:t>HTML5</a:t>
-            </a:r>
-            <a:r>
-              <a:rPr lang="en-US" sz="2900" dirty="0" smtClean="0">
-                <a:solidFill>
-                  <a:srgbClr val="000000"/>
-                </a:solidFill>
-                <a:cs typeface="Arial" charset="0"/>
-              </a:rPr>
-              <a:t>, </a:t>
-            </a:r>
-            <a:r>
-              <a:rPr lang="en-US" sz="2900" b="1" dirty="0" smtClean="0">
-                <a:solidFill>
-                  <a:srgbClr val="000000"/>
-                </a:solidFill>
-                <a:cs typeface="Arial" charset="0"/>
-              </a:rPr>
-              <a:t>CSS</a:t>
-            </a:r>
-            <a:r>
-              <a:rPr lang="en-US" sz="2900" dirty="0" smtClean="0">
-                <a:solidFill>
-                  <a:srgbClr val="000000"/>
-                </a:solidFill>
-                <a:cs typeface="Arial" charset="0"/>
-              </a:rPr>
-              <a:t>, </a:t>
-            </a:r>
-            <a:r>
-              <a:rPr lang="en-US" sz="2900" b="1" dirty="0" smtClean="0">
-                <a:solidFill>
-                  <a:srgbClr val="000000"/>
-                </a:solidFill>
-                <a:cs typeface="Arial" charset="0"/>
-              </a:rPr>
-              <a:t>JavaScript,</a:t>
-            </a:r>
-            <a:r>
-              <a:rPr lang="en-US" sz="2900" dirty="0" smtClean="0"/>
-              <a:t> </a:t>
-            </a:r>
-            <a:r>
-              <a:rPr lang="en-US" sz="2900" b="1" dirty="0" smtClean="0"/>
-              <a:t>JQuery</a:t>
-            </a:r>
-            <a:r>
-              <a:rPr lang="en-US" sz="2900" dirty="0" smtClean="0"/>
-              <a:t> and </a:t>
-            </a:r>
-            <a:r>
-              <a:rPr lang="en-US" sz="2900" b="1" dirty="0" smtClean="0"/>
-              <a:t>Bootstrap 3</a:t>
-            </a:r>
-            <a:r>
-              <a:rPr lang="en-US" sz="2900" dirty="0" smtClean="0"/>
-              <a:t> framework were used for the UI dynamic development, which allowed for a responsive, mobile first project that can be seen on all devices.</a:t>
-            </a:r>
-          </a:p>
-          <a:p>
-            <a:pPr eaLnBrk="1" hangingPunct="1">
-              <a:defRPr/>
-            </a:pPr>
-            <a:endParaRPr lang="en-US" sz="1800" dirty="0" smtClean="0"/>
-          </a:p>
-          <a:p>
-            <a:pPr eaLnBrk="1" hangingPunct="1">
-              <a:defRPr/>
-            </a:pPr>
-            <a:r>
-              <a:rPr lang="en-US" sz="2900" b="1" dirty="0" smtClean="0"/>
-              <a:t>Spring MVC </a:t>
-            </a:r>
-            <a:r>
-              <a:rPr lang="en-US" sz="2900" dirty="0" smtClean="0"/>
-              <a:t>Java framework was used for the server side implementation. In addition, all state changes for any model goes through Rest API, which accesses the Services, and DAO layers to interact with </a:t>
-            </a:r>
-            <a:r>
-              <a:rPr lang="en-US" sz="2900" b="1" dirty="0" smtClean="0"/>
-              <a:t>MySQL</a:t>
-            </a:r>
-            <a:r>
-              <a:rPr lang="en-US" sz="2900" dirty="0" smtClean="0"/>
-              <a:t> database. </a:t>
-            </a:r>
-          </a:p>
-          <a:p>
-            <a:pPr eaLnBrk="1" hangingPunct="1">
-              <a:defRPr/>
-            </a:pPr>
-            <a:endParaRPr lang="en-US" sz="1800" dirty="0" smtClean="0"/>
-          </a:p>
-          <a:p>
-            <a:pPr eaLnBrk="1" hangingPunct="1">
-              <a:defRPr/>
-            </a:pPr>
-            <a:r>
-              <a:rPr lang="en-US" sz="2900" dirty="0" smtClean="0"/>
-              <a:t>The combination of all these frameworks provided a robust and scalable system.</a:t>
-            </a:r>
-          </a:p>
-        </p:txBody>
-      </p:sp>
-      <p:pic>
-        <p:nvPicPr>
-          <p:cNvPr id="6" name="Picture 3" descr="subsystems updated new.png"/>
-          <p:cNvPicPr>
-            <a:picLocks noChangeAspect="1"/>
-          </p:cNvPicPr>
-          <p:nvPr/>
-        </p:nvPicPr>
-        <p:blipFill>
-          <a:blip r:embed="rId2">
-            <a:extLst>
-              <a:ext uri="{28A0092B-C50C-407E-A947-70E740481C1C}">
-                <a14:useLocalDpi xmlns:a14="http://schemas.microsoft.com/office/drawing/2010/main" val="0"/>
-              </a:ext>
-            </a:extLst>
-          </a:blip>
-          <a:srcRect/>
-          <a:stretch>
-            <a:fillRect/>
-          </a:stretch>
-        </p:blipFill>
-        <p:spPr bwMode="auto">
-          <a:xfrm>
-            <a:off x="1524000" y="2699088"/>
-            <a:ext cx="5271398" cy="4009603"/>
-          </a:xfrm>
-          <a:prstGeom prst="rect">
-            <a:avLst/>
-          </a:prstGeom>
-          <a:noFill/>
-          <a:ln>
-            <a:noFill/>
-          </a:ln>
-          <a:extLst>
-            <a:ext uri="{909E8E84-426E-40dd-AFC4-6F175D3DCCD1}">
-              <a14:hiddenFill xmlns:a14="http://schemas.microsoft.com/office/drawing/2010/main">
-                <a:solidFill>
-                  <a:srgbClr val="FFFFFF"/>
-                </a:solidFill>
-              </a14:hiddenFill>
-            </a:ext>
-            <a:ext uri="{91240B29-F687-4f45-9708-019B960494DF}">
-              <a14:hiddenLine xmlns:a14="http://schemas.microsoft.com/office/drawing/2010/main" w="9525">
-                <a:solidFill>
-                  <a:srgbClr val="000000"/>
-                </a:solidFill>
-                <a:miter lim="800000"/>
-                <a:headEnd/>
-                <a:tailEnd/>
-              </a14:hiddenLine>
-            </a:ext>
-          </a:extLst>
-        </p:spPr>
-      </p:pic>
-    </p:spTree>
-    <p:extLst>
-      <p:ext uri="{BB962C8B-B14F-4D97-AF65-F5344CB8AC3E}">
-        <p14:creationId xmlns:p14="http://schemas.microsoft.com/office/powerpoint/2010/main" val="1332875008"/>
-      </p:ext>
-    </p:extLst>
-  </p:cSld>
-  <p:clrMapOvr>
-    <a:masterClrMapping/>
-  </p:clrMapOvr>
-  <mc:AlternateContent xmlns:mc="http://schemas.openxmlformats.org/markup-compatibility/2006">
-    <mc:Choice xmlns:p14="http://schemas.microsoft.com/office/powerpoint/2010/main" Requires="p14">
-      <p:transition spd="slow" p14:dur="2000"/>
-    </mc:Choice>
-    <mc:Fallback>
-      <p:transition xmlns:p14="http://schemas.microsoft.com/office/powerpoint/2010/main" spd="slow"/>
-    </mc:Fallback>
-  </mc:AlternateContent>
-  <p:timing>
-    <p:tnLst>
-      <p:par>
-        <p:cTn xmlns:p14="http://schemas.microsoft.com/office/powerpoint/2010/main" id="1" dur="indefinite" restart="never" nodeType="tmRoot"/>
-      </p:par>
-    </p:tnLst>
-  </p:timing>
-</p:sld>
-</file>
-
-<file path=ppt/slides/slide7.xml><?xml version="1.0" encoding="utf-8"?>
-<p:sld xmlns:a="http://schemas.openxmlformats.org/drawingml/2006/main" xmlns:r="http://schemas.openxmlformats.org/officeDocument/2006/relationships" xmlns:p="http://schemas.openxmlformats.org/presentationml/2006/main">
-  <p:cSld>
-    <p:spTree>
-      <p:nvGrpSpPr>
-        <p:cNvPr id="1" name=""/>
-        <p:cNvGrpSpPr/>
-        <p:nvPr/>
-      </p:nvGrpSpPr>
-      <p:grpSpPr>
-        <a:xfrm>
-          <a:off x="0" y="0"/>
-          <a:ext cx="0" cy="0"/>
-          <a:chOff x="0" y="0"/>
-          <a:chExt cx="0" cy="0"/>
-        </a:xfrm>
-      </p:grpSpPr>
-      <p:sp>
-        <p:nvSpPr>
-          <p:cNvPr id="8" name="Title 1"/>
-          <p:cNvSpPr txBox="1">
-            <a:spLocks/>
-          </p:cNvSpPr>
-          <p:nvPr/>
-        </p:nvSpPr>
-        <p:spPr>
-          <a:xfrm>
             <a:off x="797069" y="2416176"/>
             <a:ext cx="7238492" cy="911224"/>
           </a:xfrm>
@@ -6166,11 +5663,11 @@
   <p:clrMapOvr>
     <a:masterClrMapping/>
   </p:clrMapOvr>
-  <mc:AlternateContent xmlns:mc="http://schemas.openxmlformats.org/markup-compatibility/2006">
-    <mc:Choice xmlns:p14="http://schemas.microsoft.com/office/powerpoint/2010/main" Requires="p14">
+  <mc:AlternateContent xmlns:mc="http://schemas.openxmlformats.org/markup-compatibility/2006" xmlns:p14="http://schemas.microsoft.com/office/powerpoint/2010/main">
+    <mc:Choice Requires="p14">
       <p:transition spd="slow" p14:dur="2000"/>
     </mc:Choice>
-    <mc:Fallback>
+    <mc:Fallback xmlns="">
       <p:transition xmlns:p14="http://schemas.microsoft.com/office/powerpoint/2010/main" spd="slow"/>
     </mc:Fallback>
   </mc:AlternateContent>
